--- a/AITraining/Fundamentals/Machine Learning/ML Neural Networks.pptx
+++ b/AITraining/Fundamentals/Machine Learning/ML Neural Networks.pptx
@@ -206,7 +206,7 @@
           <a:p>
             <a:fld id="{FAF957FC-5175-49AC-8D2B-2F056FFFC1DD}" type="datetimeFigureOut">
               <a:rPr lang="en-US" smtClean="0"/>
-              <a:t>11/19/2017</a:t>
+              <a:t>9/20/2018</a:t>
             </a:fld>
             <a:endParaRPr lang="en-US"/>
           </a:p>
@@ -656,7 +656,7 @@
             <a:fld id="{1D8BD707-D9CF-40AE-B4C6-C98DA3205C09}" type="datetimeFigureOut">
               <a:rPr lang="en-US" smtClean="0"/>
               <a:pPr/>
-              <a:t>11/19/2017</a:t>
+              <a:t>9/20/2018</a:t>
             </a:fld>
             <a:endParaRPr lang="en-US"/>
           </a:p>
@@ -823,7 +823,7 @@
             <a:fld id="{1D8BD707-D9CF-40AE-B4C6-C98DA3205C09}" type="datetimeFigureOut">
               <a:rPr lang="en-US" smtClean="0"/>
               <a:pPr/>
-              <a:t>11/19/2017</a:t>
+              <a:t>9/20/2018</a:t>
             </a:fld>
             <a:endParaRPr lang="en-US"/>
           </a:p>
@@ -1000,7 +1000,7 @@
             <a:fld id="{1D8BD707-D9CF-40AE-B4C6-C98DA3205C09}" type="datetimeFigureOut">
               <a:rPr lang="en-US" smtClean="0"/>
               <a:pPr/>
-              <a:t>11/19/2017</a:t>
+              <a:t>9/20/2018</a:t>
             </a:fld>
             <a:endParaRPr lang="en-US"/>
           </a:p>
@@ -1167,7 +1167,7 @@
             <a:fld id="{1D8BD707-D9CF-40AE-B4C6-C98DA3205C09}" type="datetimeFigureOut">
               <a:rPr lang="en-US" smtClean="0"/>
               <a:pPr/>
-              <a:t>11/19/2017</a:t>
+              <a:t>9/20/2018</a:t>
             </a:fld>
             <a:endParaRPr lang="en-US"/>
           </a:p>
@@ -1410,7 +1410,7 @@
             <a:fld id="{1D8BD707-D9CF-40AE-B4C6-C98DA3205C09}" type="datetimeFigureOut">
               <a:rPr lang="en-US" smtClean="0"/>
               <a:pPr/>
-              <a:t>11/19/2017</a:t>
+              <a:t>9/20/2018</a:t>
             </a:fld>
             <a:endParaRPr lang="en-US"/>
           </a:p>
@@ -1695,7 +1695,7 @@
             <a:fld id="{1D8BD707-D9CF-40AE-B4C6-C98DA3205C09}" type="datetimeFigureOut">
               <a:rPr lang="en-US" smtClean="0"/>
               <a:pPr/>
-              <a:t>11/19/2017</a:t>
+              <a:t>9/20/2018</a:t>
             </a:fld>
             <a:endParaRPr lang="en-US"/>
           </a:p>
@@ -2114,7 +2114,7 @@
             <a:fld id="{1D8BD707-D9CF-40AE-B4C6-C98DA3205C09}" type="datetimeFigureOut">
               <a:rPr lang="en-US" smtClean="0"/>
               <a:pPr/>
-              <a:t>11/19/2017</a:t>
+              <a:t>9/20/2018</a:t>
             </a:fld>
             <a:endParaRPr lang="en-US"/>
           </a:p>
@@ -2229,7 +2229,7 @@
             <a:fld id="{1D8BD707-D9CF-40AE-B4C6-C98DA3205C09}" type="datetimeFigureOut">
               <a:rPr lang="en-US" smtClean="0"/>
               <a:pPr/>
-              <a:t>11/19/2017</a:t>
+              <a:t>9/20/2018</a:t>
             </a:fld>
             <a:endParaRPr lang="en-US"/>
           </a:p>
@@ -2321,7 +2321,7 @@
             <a:fld id="{1D8BD707-D9CF-40AE-B4C6-C98DA3205C09}" type="datetimeFigureOut">
               <a:rPr lang="en-US" smtClean="0"/>
               <a:pPr/>
-              <a:t>11/19/2017</a:t>
+              <a:t>9/20/2018</a:t>
             </a:fld>
             <a:endParaRPr lang="en-US"/>
           </a:p>
@@ -2595,7 +2595,7 @@
             <a:fld id="{1D8BD707-D9CF-40AE-B4C6-C98DA3205C09}" type="datetimeFigureOut">
               <a:rPr lang="en-US" smtClean="0"/>
               <a:pPr/>
-              <a:t>11/19/2017</a:t>
+              <a:t>9/20/2018</a:t>
             </a:fld>
             <a:endParaRPr lang="en-US"/>
           </a:p>
@@ -2845,7 +2845,7 @@
             <a:fld id="{1D8BD707-D9CF-40AE-B4C6-C98DA3205C09}" type="datetimeFigureOut">
               <a:rPr lang="en-US" smtClean="0"/>
               <a:pPr/>
-              <a:t>11/19/2017</a:t>
+              <a:t>9/20/2018</a:t>
             </a:fld>
             <a:endParaRPr lang="en-US"/>
           </a:p>
@@ -3055,7 +3055,7 @@
             <a:fld id="{1D8BD707-D9CF-40AE-B4C6-C98DA3205C09}" type="datetimeFigureOut">
               <a:rPr lang="en-US" smtClean="0"/>
               <a:pPr/>
-              <a:t>11/19/2017</a:t>
+              <a:t>9/20/2018</a:t>
             </a:fld>
             <a:endParaRPr lang="en-US"/>
           </a:p>
@@ -3492,13 +3492,6 @@
               </a:rPr>
               <a:t>Artificial Intelligence Training</a:t>
             </a:r>
-            <a:endParaRPr lang="en-US" sz="2400" dirty="0" smtClean="0">
-              <a:solidFill>
-                <a:schemeClr val="accent1">
-                  <a:lumMod val="75000"/>
-                </a:schemeClr>
-              </a:solidFill>
-            </a:endParaRPr>
           </a:p>
           <a:p>
             <a:r>
@@ -3564,11 +3557,7 @@
           <a:p>
             <a:r>
               <a:rPr lang="en-US" sz="1800" dirty="0" smtClean="0"/>
-              <a:t>August</a:t>
-            </a:r>
-            <a:r>
-              <a:rPr lang="en-US" sz="1800" dirty="0" smtClean="0"/>
-              <a:t>, 2017</a:t>
+              <a:t>August, 2017</a:t>
             </a:r>
             <a:endParaRPr lang="en-US" sz="1800" dirty="0"/>
           </a:p>
@@ -3764,27 +3753,7 @@
                   </a:schemeClr>
                 </a:solidFill>
               </a:rPr>
-              <a:t>Deep Neural Network </a:t>
-            </a:r>
-            <a:r>
-              <a:rPr lang="en-US" dirty="0" smtClean="0">
-                <a:solidFill>
-                  <a:schemeClr val="accent1">
-                    <a:lumMod val="75000"/>
-                  </a:schemeClr>
-                </a:solidFill>
-              </a:rPr>
-              <a:t>(DNN</a:t>
-            </a:r>
-            <a:r>
-              <a:rPr lang="en-US" dirty="0" smtClean="0">
-                <a:solidFill>
-                  <a:schemeClr val="accent1">
-                    <a:lumMod val="75000"/>
-                  </a:schemeClr>
-                </a:solidFill>
-              </a:rPr>
-              <a:t>)</a:t>
+              <a:t>Deep Neural Network (DNN)</a:t>
             </a:r>
             <a:endParaRPr lang="en-US" dirty="0">
               <a:solidFill>
@@ -9356,7 +9325,7 @@
         <p:spPr>
           <a:xfrm>
             <a:off x="2796893" y="1100681"/>
-            <a:ext cx="3124894" cy="400110"/>
+            <a:ext cx="5763694" cy="400110"/>
           </a:xfrm>
           <a:prstGeom prst="rect">
             <a:avLst/>
@@ -9375,7 +9344,23 @@
                   <a:srgbClr val="00B0F0"/>
                 </a:solidFill>
               </a:rPr>
-              <a:t>Feed Forward Training Loop</a:t>
+              <a:t>Feed Forward Training </a:t>
+            </a:r>
+            <a:r>
+              <a:rPr lang="en-US" sz="2000" b="1" dirty="0" smtClean="0">
+                <a:solidFill>
+                  <a:srgbClr val="00B0F0"/>
+                </a:solidFill>
+              </a:rPr>
+              <a:t>Loop – Backward </a:t>
+            </a:r>
+            <a:r>
+              <a:rPr lang="en-US" sz="2000" b="1" dirty="0" err="1" smtClean="0">
+                <a:solidFill>
+                  <a:srgbClr val="00B0F0"/>
+                </a:solidFill>
+              </a:rPr>
+              <a:t>Probagation</a:t>
             </a:r>
             <a:endParaRPr lang="en-US" sz="2000" b="1" dirty="0">
               <a:solidFill>
@@ -17952,8 +17937,10 @@
                   </a:schemeClr>
                 </a:solidFill>
               </a:rPr>
-              <a:t>Real </a:t>
-            </a:r>
+              <a:t>Real value,</a:t>
+            </a:r>
+          </a:p>
+          <a:p>
             <a:r>
               <a:rPr lang="en-US" sz="1200" dirty="0" smtClean="0">
                 <a:solidFill>
@@ -17962,15 +17949,8 @@
                   </a:schemeClr>
                 </a:solidFill>
               </a:rPr>
-              <a:t>value,</a:t>
-            </a:r>
-            <a:endParaRPr lang="en-US" sz="1200" dirty="0" smtClean="0">
-              <a:solidFill>
-                <a:schemeClr val="accent6">
-                  <a:lumMod val="75000"/>
-                </a:schemeClr>
-              </a:solidFill>
-            </a:endParaRPr>
+              <a:t>Probability,</a:t>
+            </a:r>
           </a:p>
           <a:p>
             <a:r>
@@ -17981,34 +17961,8 @@
                   </a:schemeClr>
                 </a:solidFill>
               </a:rPr>
-              <a:t>Probability,</a:t>
-            </a:r>
-            <a:endParaRPr lang="en-US" sz="1200" dirty="0" smtClean="0">
-              <a:solidFill>
-                <a:schemeClr val="accent6">
-                  <a:lumMod val="75000"/>
-                </a:schemeClr>
-              </a:solidFill>
-            </a:endParaRPr>
-          </a:p>
-          <a:p>
-            <a:r>
-              <a:rPr lang="en-US" sz="1200" dirty="0" smtClean="0">
-                <a:solidFill>
-                  <a:schemeClr val="accent6">
-                    <a:lumMod val="75000"/>
-                  </a:schemeClr>
-                </a:solidFill>
-              </a:rPr>
               <a:t>Binary,</a:t>
             </a:r>
-            <a:endParaRPr lang="en-US" sz="1200" dirty="0" smtClean="0">
-              <a:solidFill>
-                <a:schemeClr val="accent6">
-                  <a:lumMod val="75000"/>
-                </a:schemeClr>
-              </a:solidFill>
-            </a:endParaRPr>
           </a:p>
           <a:p>
             <a:r>
@@ -18434,7 +18388,7 @@
         <p:spPr>
           <a:xfrm>
             <a:off x="3225274" y="2817707"/>
-            <a:ext cx="372218" cy="276999"/>
+            <a:ext cx="423514" cy="276999"/>
           </a:xfrm>
           <a:prstGeom prst="rect">
             <a:avLst/>
@@ -18453,7 +18407,7 @@
             </a:r>
             <a:r>
               <a:rPr lang="en-US" sz="1200" baseline="-25000" dirty="0" smtClean="0"/>
-              <a:t>1</a:t>
+              <a:t>11</a:t>
             </a:r>
             <a:endParaRPr lang="en-US" sz="1200" baseline="-25000" dirty="0"/>
           </a:p>
@@ -18468,7 +18422,7 @@
         <p:spPr>
           <a:xfrm>
             <a:off x="3225274" y="3756869"/>
-            <a:ext cx="372218" cy="276999"/>
+            <a:ext cx="423514" cy="276999"/>
           </a:xfrm>
           <a:prstGeom prst="rect">
             <a:avLst/>
@@ -18487,7 +18441,7 @@
             </a:r>
             <a:r>
               <a:rPr lang="en-US" sz="1200" baseline="-25000" dirty="0" smtClean="0"/>
-              <a:t>2</a:t>
+              <a:t>12</a:t>
             </a:r>
             <a:endParaRPr lang="en-US" sz="1200" baseline="-25000" dirty="0"/>
           </a:p>
@@ -18501,8 +18455,8 @@
         </p:nvSpPr>
         <p:spPr>
           <a:xfrm>
-            <a:off x="3225274" y="4609412"/>
-            <a:ext cx="372218" cy="276999"/>
+            <a:off x="3199626" y="4525109"/>
+            <a:ext cx="423514" cy="276999"/>
           </a:xfrm>
           <a:prstGeom prst="rect">
             <a:avLst/>
@@ -18521,7 +18475,7 @@
             </a:r>
             <a:r>
               <a:rPr lang="en-US" sz="1200" baseline="-25000" dirty="0" smtClean="0"/>
-              <a:t>3</a:t>
+              <a:t>13</a:t>
             </a:r>
             <a:endParaRPr lang="en-US" sz="1200" baseline="-25000" dirty="0"/>
           </a:p>
@@ -19423,6 +19377,108 @@
           </a:fontRef>
         </p:style>
       </p:cxnSp>
+      <p:sp>
+        <p:nvSpPr>
+          <p:cNvPr id="40" name="TextBox 39"/>
+          <p:cNvSpPr txBox="1"/>
+          <p:nvPr/>
+        </p:nvSpPr>
+        <p:spPr>
+          <a:xfrm>
+            <a:off x="5516199" y="2838835"/>
+            <a:ext cx="423514" cy="276999"/>
+          </a:xfrm>
+          <a:prstGeom prst="rect">
+            <a:avLst/>
+          </a:prstGeom>
+          <a:noFill/>
+        </p:spPr>
+        <p:txBody>
+          <a:bodyPr wrap="none" rtlCol="0">
+            <a:spAutoFit/>
+          </a:bodyPr>
+          <a:lstStyle/>
+          <a:p>
+            <a:r>
+              <a:rPr lang="en-US" sz="1200" dirty="0" smtClean="0"/>
+              <a:t>W</a:t>
+            </a:r>
+            <a:r>
+              <a:rPr lang="en-US" sz="1200" baseline="-25000" dirty="0" smtClean="0"/>
+              <a:t>21</a:t>
+            </a:r>
+            <a:endParaRPr lang="en-US" sz="1200" baseline="-25000" dirty="0"/>
+          </a:p>
+        </p:txBody>
+      </p:sp>
+      <p:sp>
+        <p:nvSpPr>
+          <p:cNvPr id="41" name="TextBox 40"/>
+          <p:cNvSpPr txBox="1"/>
+          <p:nvPr/>
+        </p:nvSpPr>
+        <p:spPr>
+          <a:xfrm>
+            <a:off x="5605044" y="3736617"/>
+            <a:ext cx="423514" cy="276999"/>
+          </a:xfrm>
+          <a:prstGeom prst="rect">
+            <a:avLst/>
+          </a:prstGeom>
+          <a:noFill/>
+        </p:spPr>
+        <p:txBody>
+          <a:bodyPr wrap="none" rtlCol="0">
+            <a:spAutoFit/>
+          </a:bodyPr>
+          <a:lstStyle/>
+          <a:p>
+            <a:r>
+              <a:rPr lang="en-US" sz="1200" dirty="0" smtClean="0"/>
+              <a:t>W</a:t>
+            </a:r>
+            <a:r>
+              <a:rPr lang="en-US" sz="1200" baseline="-25000" dirty="0" smtClean="0"/>
+              <a:t>22</a:t>
+            </a:r>
+            <a:endParaRPr lang="en-US" sz="1200" baseline="-25000" dirty="0"/>
+          </a:p>
+        </p:txBody>
+      </p:sp>
+      <p:sp>
+        <p:nvSpPr>
+          <p:cNvPr id="42" name="TextBox 41"/>
+          <p:cNvSpPr txBox="1"/>
+          <p:nvPr/>
+        </p:nvSpPr>
+        <p:spPr>
+          <a:xfrm>
+            <a:off x="5717518" y="4539009"/>
+            <a:ext cx="423514" cy="276999"/>
+          </a:xfrm>
+          <a:prstGeom prst="rect">
+            <a:avLst/>
+          </a:prstGeom>
+          <a:noFill/>
+        </p:spPr>
+        <p:txBody>
+          <a:bodyPr wrap="none" rtlCol="0">
+            <a:spAutoFit/>
+          </a:bodyPr>
+          <a:lstStyle/>
+          <a:p>
+            <a:r>
+              <a:rPr lang="en-US" sz="1200" dirty="0" smtClean="0"/>
+              <a:t>W</a:t>
+            </a:r>
+            <a:r>
+              <a:rPr lang="en-US" sz="1200" baseline="-25000" dirty="0" smtClean="0"/>
+              <a:t>23</a:t>
+            </a:r>
+            <a:endParaRPr lang="en-US" sz="1200" baseline="-25000" dirty="0"/>
+          </a:p>
+        </p:txBody>
+      </p:sp>
     </p:spTree>
     <p:extLst>
       <p:ext uri="{BB962C8B-B14F-4D97-AF65-F5344CB8AC3E}">
@@ -21276,17 +21332,7 @@
                   </a:schemeClr>
                 </a:solidFill>
               </a:rPr>
-              <a:t>Threshold (Step) </a:t>
-            </a:r>
-            <a:r>
-              <a:rPr lang="en-US" sz="2400" b="1" dirty="0" smtClean="0">
-                <a:solidFill>
-                  <a:schemeClr val="accent6">
-                    <a:lumMod val="75000"/>
-                  </a:schemeClr>
-                </a:solidFill>
-              </a:rPr>
-              <a:t>– Either a zero or one is outputted (binary).</a:t>
+              <a:t>Threshold (Step) – Either a zero or one is outputted (binary).</a:t>
             </a:r>
             <a:r>
               <a:rPr lang="en-US" sz="2000" b="1" dirty="0" smtClean="0">
@@ -21474,29 +21520,13 @@
           <a:p>
             <a:r>
               <a:rPr lang="en-US" sz="2000" dirty="0" smtClean="0"/>
-              <a:t>1 if x </a:t>
-            </a:r>
+              <a:t>1 if x &gt; 0</a:t>
+            </a:r>
+          </a:p>
+          <a:p>
             <a:r>
               <a:rPr lang="en-US" sz="2000" dirty="0" smtClean="0"/>
-              <a:t>&gt; </a:t>
-            </a:r>
-            <a:r>
-              <a:rPr lang="en-US" sz="2000" dirty="0" smtClean="0"/>
-              <a:t>0</a:t>
-            </a:r>
-          </a:p>
-          <a:p>
-            <a:r>
-              <a:rPr lang="en-US" sz="2000" dirty="0" smtClean="0"/>
-              <a:t>0 if x </a:t>
-            </a:r>
-            <a:r>
-              <a:rPr lang="en-US" sz="2000" dirty="0" smtClean="0"/>
-              <a:t>≤ </a:t>
-            </a:r>
-            <a:r>
-              <a:rPr lang="en-US" sz="2000" dirty="0" smtClean="0"/>
-              <a:t>0</a:t>
+              <a:t>0 if x ≤ 0</a:t>
             </a:r>
             <a:endParaRPr lang="en-US" sz="2000" dirty="0"/>
           </a:p>
@@ -21812,15 +21842,7 @@
                   <a:srgbClr val="FF0000"/>
                 </a:solidFill>
               </a:rPr>
-              <a:t>quashing </a:t>
-            </a:r>
-            <a:r>
-              <a:rPr lang="en-US" sz="1200" dirty="0" smtClean="0">
-                <a:solidFill>
-                  <a:srgbClr val="FF0000"/>
-                </a:solidFill>
-              </a:rPr>
-              <a:t>the output </a:t>
+              <a:t>quashing the output </a:t>
             </a:r>
             <a:br>
               <a:rPr lang="en-US" sz="1200" dirty="0" smtClean="0">
@@ -22754,15 +22776,7 @@
                   <a:srgbClr val="FF0000"/>
                 </a:solidFill>
               </a:rPr>
-              <a:t>squashing </a:t>
-            </a:r>
-            <a:r>
-              <a:rPr lang="en-US" sz="1200" dirty="0" smtClean="0">
-                <a:solidFill>
-                  <a:srgbClr val="FF0000"/>
-                </a:solidFill>
-              </a:rPr>
-              <a:t>the output </a:t>
+              <a:t>squashing the output </a:t>
             </a:r>
             <a:br>
               <a:rPr lang="en-US" sz="1200" dirty="0" smtClean="0">
